--- a/씨젠/연구 발표 양식.pptx
+++ b/씨젠/연구 발표 양식.pptx
@@ -245,7 +245,7 @@
           <a:p>
             <a:fld id="{B9714D77-B8AF-4889-9108-4276AC1AB1BE}" type="datetimeFigureOut">
               <a:rPr lang="ko-KR" altLang="en-US" smtClean="0"/>
-              <a:t>2023-01-13</a:t>
+              <a:t>2023-01-16</a:t>
             </a:fld>
             <a:endParaRPr lang="ko-KR" altLang="en-US"/>
           </a:p>
@@ -2423,7 +2423,7 @@
           <a:p>
             <a:fld id="{711ADB4A-3A8B-4072-ACF2-B9A64CC5A17A}" type="datetimeFigureOut">
               <a:rPr lang="ko-KR" altLang="en-US" smtClean="0"/>
-              <a:t>2023-01-13</a:t>
+              <a:t>2023-01-16</a:t>
             </a:fld>
             <a:endParaRPr lang="ko-KR" altLang="en-US"/>
           </a:p>
@@ -2711,7 +2711,7 @@
           <a:p>
             <a:fld id="{711ADB4A-3A8B-4072-ACF2-B9A64CC5A17A}" type="datetimeFigureOut">
               <a:rPr lang="ko-KR" altLang="en-US" smtClean="0"/>
-              <a:t>2023-01-13</a:t>
+              <a:t>2023-01-16</a:t>
             </a:fld>
             <a:endParaRPr lang="ko-KR" altLang="en-US"/>
           </a:p>
@@ -2909,7 +2909,7 @@
           <a:p>
             <a:fld id="{711ADB4A-3A8B-4072-ACF2-B9A64CC5A17A}" type="datetimeFigureOut">
               <a:rPr lang="ko-KR" altLang="en-US" smtClean="0"/>
-              <a:t>2023-01-13</a:t>
+              <a:t>2023-01-16</a:t>
             </a:fld>
             <a:endParaRPr lang="ko-KR" altLang="en-US"/>
           </a:p>
@@ -3117,7 +3117,7 @@
           <a:p>
             <a:fld id="{711ADB4A-3A8B-4072-ACF2-B9A64CC5A17A}" type="datetimeFigureOut">
               <a:rPr lang="ko-KR" altLang="en-US" smtClean="0"/>
-              <a:t>2023-01-13</a:t>
+              <a:t>2023-01-16</a:t>
             </a:fld>
             <a:endParaRPr lang="ko-KR" altLang="en-US"/>
           </a:p>
@@ -3315,7 +3315,7 @@
           <a:p>
             <a:fld id="{711ADB4A-3A8B-4072-ACF2-B9A64CC5A17A}" type="datetimeFigureOut">
               <a:rPr lang="ko-KR" altLang="en-US" smtClean="0"/>
-              <a:t>2023-01-13</a:t>
+              <a:t>2023-01-16</a:t>
             </a:fld>
             <a:endParaRPr lang="ko-KR" altLang="en-US"/>
           </a:p>
@@ -3590,7 +3590,7 @@
           <a:p>
             <a:fld id="{711ADB4A-3A8B-4072-ACF2-B9A64CC5A17A}" type="datetimeFigureOut">
               <a:rPr lang="ko-KR" altLang="en-US" smtClean="0"/>
-              <a:t>2023-01-13</a:t>
+              <a:t>2023-01-16</a:t>
             </a:fld>
             <a:endParaRPr lang="ko-KR" altLang="en-US"/>
           </a:p>
@@ -3855,7 +3855,7 @@
           <a:p>
             <a:fld id="{711ADB4A-3A8B-4072-ACF2-B9A64CC5A17A}" type="datetimeFigureOut">
               <a:rPr lang="ko-KR" altLang="en-US" smtClean="0"/>
-              <a:t>2023-01-13</a:t>
+              <a:t>2023-01-16</a:t>
             </a:fld>
             <a:endParaRPr lang="ko-KR" altLang="en-US"/>
           </a:p>
@@ -4267,7 +4267,7 @@
           <a:p>
             <a:fld id="{711ADB4A-3A8B-4072-ACF2-B9A64CC5A17A}" type="datetimeFigureOut">
               <a:rPr lang="ko-KR" altLang="en-US" smtClean="0"/>
-              <a:t>2023-01-13</a:t>
+              <a:t>2023-01-16</a:t>
             </a:fld>
             <a:endParaRPr lang="ko-KR" altLang="en-US"/>
           </a:p>
@@ -4408,7 +4408,7 @@
           <a:p>
             <a:fld id="{711ADB4A-3A8B-4072-ACF2-B9A64CC5A17A}" type="datetimeFigureOut">
               <a:rPr lang="ko-KR" altLang="en-US" smtClean="0"/>
-              <a:t>2023-01-13</a:t>
+              <a:t>2023-01-16</a:t>
             </a:fld>
             <a:endParaRPr lang="ko-KR" altLang="en-US"/>
           </a:p>
@@ -4521,7 +4521,7 @@
           <a:p>
             <a:fld id="{711ADB4A-3A8B-4072-ACF2-B9A64CC5A17A}" type="datetimeFigureOut">
               <a:rPr lang="ko-KR" altLang="en-US" smtClean="0"/>
-              <a:t>2023-01-13</a:t>
+              <a:t>2023-01-16</a:t>
             </a:fld>
             <a:endParaRPr lang="ko-KR" altLang="en-US"/>
           </a:p>
@@ -4723,7 +4723,7 @@
           <a:p>
             <a:fld id="{711ADB4A-3A8B-4072-ACF2-B9A64CC5A17A}" type="datetimeFigureOut">
               <a:rPr lang="ko-KR" altLang="en-US" smtClean="0"/>
-              <a:t>2023-01-13</a:t>
+              <a:t>2023-01-16</a:t>
             </a:fld>
             <a:endParaRPr lang="ko-KR" altLang="en-US"/>
           </a:p>
@@ -5034,7 +5034,7 @@
           <a:p>
             <a:fld id="{711ADB4A-3A8B-4072-ACF2-B9A64CC5A17A}" type="datetimeFigureOut">
               <a:rPr lang="ko-KR" altLang="en-US" smtClean="0"/>
-              <a:t>2023-01-13</a:t>
+              <a:t>2023-01-16</a:t>
             </a:fld>
             <a:endParaRPr lang="ko-KR" altLang="en-US"/>
           </a:p>
@@ -5275,7 +5275,7 @@
           <a:p>
             <a:fld id="{711ADB4A-3A8B-4072-ACF2-B9A64CC5A17A}" type="datetimeFigureOut">
               <a:rPr lang="ko-KR" altLang="en-US" smtClean="0"/>
-              <a:t>2023-01-13</a:t>
+              <a:t>2023-01-16</a:t>
             </a:fld>
             <a:endParaRPr lang="ko-KR" altLang="en-US"/>
           </a:p>
@@ -21054,7 +21054,7 @@
         <p:spPr>
           <a:xfrm>
             <a:off x="419019" y="2862656"/>
-            <a:ext cx="9949110" cy="2031325"/>
+            <a:ext cx="11560460" cy="1384995"/>
           </a:xfrm>
           <a:prstGeom prst="rect">
             <a:avLst/>
@@ -21100,7 +21100,7 @@
               <a:rPr lang="ko-KR" altLang="en-US" sz="1400" dirty="0">
                 <a:latin typeface="+mn-ea"/>
               </a:rPr>
-              <a:t>시간 생성되는 병리학의 특성 상 병리학자들의 심각한 업무 과중으로 이어진다</a:t>
+              <a:t>시간 생성되는 특성 상 병리학자들의 심각한 업무 과중으로 이어진다</a:t>
             </a:r>
             <a:r>
               <a:rPr lang="en-US" altLang="ko-KR" sz="1400" dirty="0">
@@ -22339,10 +22339,10 @@
       </p:sp>
       <p:sp>
         <p:nvSpPr>
-          <p:cNvPr id="22" name="직사각형 21">
+          <p:cNvPr id="33" name="직사각형 32">
             <a:extLst>
               <a:ext uri="{FF2B5EF4-FFF2-40B4-BE49-F238E27FC236}">
-                <a16:creationId xmlns:a16="http://schemas.microsoft.com/office/drawing/2014/main" id="{0B09C25E-C0EB-4C5F-B4BA-FD2C902012ED}"/>
+                <a16:creationId xmlns:a16="http://schemas.microsoft.com/office/drawing/2014/main" id="{E579D10C-F49A-4570-B2B8-83A0ECB137F8}"/>
               </a:ext>
             </a:extLst>
           </p:cNvPr>
@@ -22351,7 +22351,7 @@
         </p:nvSpPr>
         <p:spPr>
           <a:xfrm>
-            <a:off x="447447" y="4334996"/>
+            <a:off x="514558" y="3338344"/>
             <a:ext cx="6096000" cy="600164"/>
           </a:xfrm>
           <a:prstGeom prst="rect">
@@ -22366,233 +22366,43 @@
           <a:p>
             <a:r>
               <a:rPr lang="ko-KR" altLang="en-US" sz="1100" dirty="0"/>
-              <a:t>AI-</a:t>
-            </a:r>
-            <a:r>
-              <a:rPr lang="ko-KR" altLang="en-US" sz="1100" dirty="0" err="1"/>
-              <a:t>based</a:t>
+              <a:t>비용 </a:t>
+            </a:r>
+            <a:r>
+              <a:rPr lang="en-US" altLang="ko-KR" sz="1100" dirty="0"/>
+              <a:t>/ </a:t>
             </a:r>
             <a:r>
               <a:rPr lang="ko-KR" altLang="en-US" sz="1100" dirty="0"/>
-              <a:t> </a:t>
-            </a:r>
-            <a:r>
-              <a:rPr lang="ko-KR" altLang="en-US" sz="1100" dirty="0" err="1"/>
-              <a:t>computational</a:t>
-            </a:r>
+              <a:t>업무 만족도 쪽으로 내용을 붙이고 싶다</a:t>
+            </a:r>
+            <a:r>
+              <a:rPr lang="en-US" altLang="ko-KR" sz="1100" dirty="0"/>
+              <a:t>. </a:t>
+            </a:r>
+          </a:p>
+          <a:p>
+            <a:endParaRPr lang="en-US" altLang="ko-KR" sz="1100" dirty="0"/>
+          </a:p>
+          <a:p>
             <a:r>
               <a:rPr lang="ko-KR" altLang="en-US" sz="1100" dirty="0"/>
-              <a:t> </a:t>
-            </a:r>
-            <a:r>
-              <a:rPr lang="ko-KR" altLang="en-US" sz="1100" dirty="0" err="1"/>
-              <a:t>pathology</a:t>
-            </a:r>
-            <a:r>
-              <a:rPr lang="ko-KR" altLang="en-US" sz="1100" dirty="0"/>
-              <a:t> </a:t>
-            </a:r>
-            <a:r>
-              <a:rPr lang="ko-KR" altLang="en-US" sz="1100" dirty="0" err="1"/>
-              <a:t>as</a:t>
-            </a:r>
-            <a:r>
-              <a:rPr lang="ko-KR" altLang="en-US" sz="1100" dirty="0"/>
-              <a:t> </a:t>
-            </a:r>
-            <a:r>
-              <a:rPr lang="ko-KR" altLang="en-US" sz="1100" dirty="0" err="1"/>
-              <a:t>an</a:t>
-            </a:r>
-            <a:r>
-              <a:rPr lang="ko-KR" altLang="en-US" sz="1100" dirty="0"/>
-              <a:t> </a:t>
-            </a:r>
-            <a:r>
-              <a:rPr lang="ko-KR" altLang="en-US" sz="1100" dirty="0" err="1"/>
-              <a:t>emerging</a:t>
-            </a:r>
-            <a:r>
-              <a:rPr lang="ko-KR" altLang="en-US" sz="1100" dirty="0"/>
-              <a:t> </a:t>
-            </a:r>
-            <a:r>
-              <a:rPr lang="ko-KR" altLang="en-US" sz="1100" dirty="0" err="1"/>
-              <a:t>discipline</a:t>
-            </a:r>
-            <a:r>
-              <a:rPr lang="ko-KR" altLang="en-US" sz="1100" dirty="0"/>
-              <a:t> </a:t>
-            </a:r>
-            <a:r>
-              <a:rPr lang="ko-KR" altLang="en-US" sz="1100" dirty="0" err="1"/>
-              <a:t>has</a:t>
-            </a:r>
-            <a:r>
-              <a:rPr lang="ko-KR" altLang="en-US" sz="1100" dirty="0"/>
-              <a:t> </a:t>
-            </a:r>
-            <a:r>
-              <a:rPr lang="ko-KR" altLang="en-US" sz="1100" dirty="0" err="1"/>
-              <a:t>recently</a:t>
-            </a:r>
-            <a:r>
-              <a:rPr lang="ko-KR" altLang="en-US" sz="1100" dirty="0"/>
-              <a:t> </a:t>
-            </a:r>
-            <a:r>
-              <a:rPr lang="ko-KR" altLang="en-US" sz="1100" dirty="0" err="1"/>
-              <a:t>shown</a:t>
-            </a:r>
-            <a:r>
-              <a:rPr lang="ko-KR" altLang="en-US" sz="1100" dirty="0"/>
-              <a:t> </a:t>
-            </a:r>
-            <a:r>
-              <a:rPr lang="ko-KR" altLang="en-US" sz="1100" dirty="0" err="1"/>
-              <a:t>great</a:t>
-            </a:r>
-            <a:r>
-              <a:rPr lang="ko-KR" altLang="en-US" sz="1100" dirty="0"/>
-              <a:t> </a:t>
-            </a:r>
-            <a:r>
-              <a:rPr lang="ko-KR" altLang="en-US" sz="1100" dirty="0" err="1"/>
-              <a:t>promise</a:t>
-            </a:r>
-            <a:r>
-              <a:rPr lang="ko-KR" altLang="en-US" sz="1100" dirty="0"/>
-              <a:t> </a:t>
-            </a:r>
-            <a:r>
-              <a:rPr lang="ko-KR" altLang="en-US" sz="1100" dirty="0" err="1"/>
-              <a:t>to</a:t>
-            </a:r>
-            <a:r>
-              <a:rPr lang="ko-KR" altLang="en-US" sz="1100" dirty="0"/>
-              <a:t> </a:t>
-            </a:r>
-            <a:r>
-              <a:rPr lang="ko-KR" altLang="en-US" sz="1100" dirty="0" err="1"/>
-              <a:t>increase</a:t>
-            </a:r>
-            <a:r>
-              <a:rPr lang="ko-KR" altLang="en-US" sz="1100" dirty="0"/>
-              <a:t> </a:t>
-            </a:r>
-            <a:r>
-              <a:rPr lang="ko-KR" altLang="en-US" sz="1100" dirty="0" err="1"/>
-              <a:t>both</a:t>
-            </a:r>
-            <a:r>
-              <a:rPr lang="ko-KR" altLang="en-US" sz="1100" dirty="0"/>
-              <a:t> </a:t>
-            </a:r>
-            <a:r>
-              <a:rPr lang="ko-KR" altLang="en-US" sz="1100" dirty="0" err="1"/>
-              <a:t>the</a:t>
-            </a:r>
-            <a:r>
-              <a:rPr lang="ko-KR" altLang="en-US" sz="1100" dirty="0"/>
-              <a:t> </a:t>
-            </a:r>
-            <a:r>
-              <a:rPr lang="ko-KR" altLang="en-US" sz="1100" dirty="0" err="1"/>
-              <a:t>accuracy</a:t>
-            </a:r>
-            <a:r>
-              <a:rPr lang="ko-KR" altLang="en-US" sz="1100" dirty="0"/>
-              <a:t> and </a:t>
-            </a:r>
-            <a:r>
-              <a:rPr lang="ko-KR" altLang="en-US" sz="1100" dirty="0" err="1"/>
-              <a:t>availability</a:t>
-            </a:r>
-            <a:r>
-              <a:rPr lang="ko-KR" altLang="en-US" sz="1100" dirty="0"/>
-              <a:t> of </a:t>
-            </a:r>
-            <a:r>
-              <a:rPr lang="ko-KR" altLang="en-US" sz="1100" dirty="0" err="1"/>
-              <a:t>high-quality</a:t>
-            </a:r>
-            <a:r>
-              <a:rPr lang="ko-KR" altLang="en-US" sz="1100" dirty="0"/>
-              <a:t> </a:t>
-            </a:r>
-            <a:r>
-              <a:rPr lang="ko-KR" altLang="en-US" sz="1100" dirty="0" err="1"/>
-              <a:t>health</a:t>
-            </a:r>
-            <a:r>
-              <a:rPr lang="ko-KR" altLang="en-US" sz="1100" dirty="0"/>
-              <a:t> </a:t>
-            </a:r>
-            <a:r>
-              <a:rPr lang="ko-KR" altLang="en-US" sz="1100" dirty="0" err="1"/>
-              <a:t>care</a:t>
-            </a:r>
-            <a:r>
-              <a:rPr lang="ko-KR" altLang="en-US" sz="1100" dirty="0"/>
-              <a:t> </a:t>
-            </a:r>
-            <a:r>
-              <a:rPr lang="ko-KR" altLang="en-US" sz="1100" dirty="0" err="1"/>
-              <a:t>to</a:t>
-            </a:r>
-            <a:r>
-              <a:rPr lang="ko-KR" altLang="en-US" sz="1100" dirty="0"/>
-              <a:t> </a:t>
-            </a:r>
-            <a:r>
-              <a:rPr lang="ko-KR" altLang="en-US" sz="1100" dirty="0" err="1"/>
-              <a:t>patients</a:t>
-            </a:r>
-            <a:r>
-              <a:rPr lang="ko-KR" altLang="en-US" sz="1100" dirty="0"/>
-              <a:t> </a:t>
-            </a:r>
-            <a:r>
-              <a:rPr lang="ko-KR" altLang="en-US" sz="1100" dirty="0" err="1"/>
-              <a:t>in</a:t>
-            </a:r>
-            <a:r>
-              <a:rPr lang="ko-KR" altLang="en-US" sz="1100" dirty="0"/>
-              <a:t> </a:t>
-            </a:r>
-            <a:r>
-              <a:rPr lang="ko-KR" altLang="en-US" sz="1100" dirty="0" err="1"/>
-              <a:t>many</a:t>
-            </a:r>
-            <a:r>
-              <a:rPr lang="ko-KR" altLang="en-US" sz="1100" dirty="0"/>
-              <a:t> </a:t>
-            </a:r>
-            <a:r>
-              <a:rPr lang="ko-KR" altLang="en-US" sz="1100" dirty="0" err="1"/>
-              <a:t>medical</a:t>
-            </a:r>
-            <a:r>
-              <a:rPr lang="ko-KR" altLang="en-US" sz="1100" dirty="0"/>
-              <a:t> </a:t>
-            </a:r>
-            <a:r>
-              <a:rPr lang="ko-KR" altLang="en-US" sz="1100" dirty="0" err="1"/>
-              <a:t>fields</a:t>
-            </a:r>
-            <a:r>
-              <a:rPr lang="ko-KR" altLang="en-US" sz="1100" dirty="0"/>
-              <a:t>. </a:t>
-            </a:r>
+              <a:t>업무 과중으로 한번 필터링을 거치는 게 맞을까</a:t>
+            </a:r>
+            <a:r>
+              <a:rPr lang="en-US" altLang="ko-KR" sz="1100" dirty="0"/>
+              <a:t>? </a:t>
+            </a:r>
+            <a:endParaRPr lang="ko-KR" altLang="en-US" sz="1100" dirty="0"/>
           </a:p>
         </p:txBody>
       </p:sp>
       <p:sp>
         <p:nvSpPr>
-          <p:cNvPr id="24" name="직사각형 23">
+          <p:cNvPr id="2" name="직사각형 1">
             <a:extLst>
               <a:ext uri="{FF2B5EF4-FFF2-40B4-BE49-F238E27FC236}">
-                <a16:creationId xmlns:a16="http://schemas.microsoft.com/office/drawing/2014/main" id="{1FD63346-8B94-4EB5-A81F-2444A892ABA4}"/>
+                <a16:creationId xmlns:a16="http://schemas.microsoft.com/office/drawing/2014/main" id="{7232B195-B6E4-4184-BD72-AC8D9938E767}"/>
               </a:ext>
             </a:extLst>
           </p:cNvPr>
@@ -22601,40 +22411,68 @@
         </p:nvSpPr>
         <p:spPr>
           <a:xfrm>
-            <a:off x="316136" y="3573929"/>
-            <a:ext cx="7956024" cy="646331"/>
+            <a:off x="898326" y="4120508"/>
+            <a:ext cx="10428518" cy="1200329"/>
           </a:xfrm>
           <a:prstGeom prst="rect">
             <a:avLst/>
           </a:prstGeom>
         </p:spPr>
         <p:txBody>
-          <a:bodyPr wrap="none">
+          <a:bodyPr wrap="square">
             <a:spAutoFit/>
           </a:bodyPr>
           <a:lstStyle/>
           <a:p>
             <a:r>
+              <a:rPr lang="en-US" altLang="ko-KR" dirty="0">
+                <a:solidFill>
+                  <a:srgbClr val="333333"/>
+                </a:solidFill>
+                <a:latin typeface="Open Sans"/>
+              </a:rPr>
+              <a:t>Hutchins et al. (</a:t>
+            </a:r>
+            <a:r>
+              <a:rPr lang="en-US" altLang="ko-KR" dirty="0">
+                <a:solidFill>
+                  <a:srgbClr val="10147E"/>
+                </a:solidFill>
+                <a:latin typeface="Open Sans"/>
+                <a:hlinkClick r:id="rId5"/>
+              </a:rPr>
+              <a:t>2010</a:t>
+            </a:r>
+            <a:r>
+              <a:rPr lang="en-US" altLang="ko-KR" dirty="0">
+                <a:solidFill>
+                  <a:srgbClr val="333333"/>
+                </a:solidFill>
+                <a:latin typeface="Open Sans"/>
+              </a:rPr>
+              <a:t>) reported that while SLPs were generally satisfied with their jobs, there was a significant negative correlation between caseload size and workload satisfaction specifically. </a:t>
+            </a:r>
+          </a:p>
+          <a:p>
+            <a:r>
               <a:rPr lang="en-US" altLang="ko-KR" dirty="0"/>
-              <a:t>Deep learning(DL) </a:t>
-            </a:r>
-            <a:r>
-              <a:rPr lang="ko-KR" altLang="en-US" dirty="0"/>
-              <a:t>기반의 서포트 시스템은 업무과중을 해소할 뿐만 아니라</a:t>
+              <a:t>Retention of school-based SLPs : Relationships among caseload size, workload satisfaction, job satisfaction, and best practice. </a:t>
+            </a:r>
+            <a:r>
+              <a:rPr lang="en-US" altLang="ko-KR" i="1" dirty="0"/>
+              <a:t>Communication Disorders Quarterly</a:t>
             </a:r>
             <a:r>
               <a:rPr lang="en-US" altLang="ko-KR" dirty="0"/>
-              <a:t>, </a:t>
-            </a:r>
-          </a:p>
-          <a:p>
-            <a:r>
-              <a:rPr lang="ko-KR" altLang="en-US" dirty="0"/>
-              <a:t>진단 정확도까지 향상시키는 방안으로 기대되고 있다</a:t>
+              <a:t>, </a:t>
+            </a:r>
+            <a:r>
+              <a:rPr lang="en-US" altLang="ko-KR" i="1" dirty="0"/>
+              <a:t>31</a:t>
             </a:r>
             <a:r>
               <a:rPr lang="en-US" altLang="ko-KR" dirty="0"/>
-              <a:t>. </a:t>
+              <a:t>, 139–154.</a:t>
             </a:r>
             <a:endParaRPr lang="ko-KR" altLang="en-US" dirty="0"/>
           </a:p>
@@ -22642,10 +22480,10 @@
       </p:sp>
       <p:sp>
         <p:nvSpPr>
-          <p:cNvPr id="32" name="직사각형 31">
+          <p:cNvPr id="3" name="직사각형 2">
             <a:extLst>
               <a:ext uri="{FF2B5EF4-FFF2-40B4-BE49-F238E27FC236}">
-                <a16:creationId xmlns:a16="http://schemas.microsoft.com/office/drawing/2014/main" id="{38D29904-CFE8-47DB-BD44-09AC873DAEEC}"/>
+                <a16:creationId xmlns:a16="http://schemas.microsoft.com/office/drawing/2014/main" id="{6DC09BB1-29A0-49F8-A193-C792D078BF25}"/>
               </a:ext>
             </a:extLst>
           </p:cNvPr>
@@ -22654,8 +22492,186 @@
         </p:nvSpPr>
         <p:spPr>
           <a:xfrm>
-            <a:off x="447447" y="5089870"/>
-            <a:ext cx="6096000" cy="1277273"/>
+            <a:off x="-7052385" y="2549736"/>
+            <a:ext cx="7566943" cy="4247317"/>
+          </a:xfrm>
+          <a:prstGeom prst="rect">
+            <a:avLst/>
+          </a:prstGeom>
+        </p:spPr>
+        <p:txBody>
+          <a:bodyPr wrap="square">
+            <a:spAutoFit/>
+          </a:bodyPr>
+          <a:lstStyle/>
+          <a:p>
+            <a:endParaRPr lang="en-US" altLang="ko-KR" dirty="0">
+              <a:solidFill>
+                <a:srgbClr val="333333"/>
+              </a:solidFill>
+              <a:latin typeface="Open Sans"/>
+            </a:endParaRPr>
+          </a:p>
+          <a:p>
+            <a:r>
+              <a:rPr lang="en-US" altLang="ko-KR" dirty="0">
+                <a:solidFill>
+                  <a:srgbClr val="333333"/>
+                </a:solidFill>
+                <a:latin typeface="Open Sans"/>
+              </a:rPr>
+              <a:t>Burnout in Iranian SLPs was investigated by </a:t>
+            </a:r>
+            <a:r>
+              <a:rPr lang="en-US" altLang="ko-KR" dirty="0" err="1">
+                <a:solidFill>
+                  <a:srgbClr val="333333"/>
+                </a:solidFill>
+                <a:latin typeface="Open Sans"/>
+              </a:rPr>
+              <a:t>Kasbi</a:t>
+            </a:r>
+            <a:r>
+              <a:rPr lang="en-US" altLang="ko-KR" dirty="0">
+                <a:solidFill>
+                  <a:srgbClr val="333333"/>
+                </a:solidFill>
+                <a:latin typeface="Open Sans"/>
+              </a:rPr>
+              <a:t> et al. (</a:t>
+            </a:r>
+            <a:r>
+              <a:rPr lang="en-US" altLang="ko-KR" dirty="0">
+                <a:solidFill>
+                  <a:srgbClr val="10147E"/>
+                </a:solidFill>
+                <a:latin typeface="Open Sans"/>
+                <a:hlinkClick r:id="rId5"/>
+              </a:rPr>
+              <a:t>2018</a:t>
+            </a:r>
+            <a:r>
+              <a:rPr lang="en-US" altLang="ko-KR" dirty="0">
+                <a:solidFill>
+                  <a:srgbClr val="333333"/>
+                </a:solidFill>
+                <a:latin typeface="Open Sans"/>
+              </a:rPr>
+              <a:t>). Of the 182 participants in the study, 99.7% reported some level of burnout (44% had mild burnout, 53.5% moderate burnout, and 2.2% severe burnout).</a:t>
+            </a:r>
+          </a:p>
+          <a:p>
+            <a:r>
+              <a:rPr lang="en-US" altLang="ko-KR" dirty="0"/>
+              <a:t>Job burnout among Iranian speech and language pathologists.</a:t>
+            </a:r>
+          </a:p>
+          <a:p>
+            <a:r>
+              <a:rPr lang="en-US" altLang="ko-KR" dirty="0">
+                <a:solidFill>
+                  <a:srgbClr val="333333"/>
+                </a:solidFill>
+                <a:latin typeface="Open Sans"/>
+              </a:rPr>
+              <a:t>=&gt; </a:t>
+            </a:r>
+            <a:r>
+              <a:rPr lang="ko-KR" altLang="en-US" dirty="0">
+                <a:solidFill>
+                  <a:srgbClr val="333333"/>
+                </a:solidFill>
+                <a:latin typeface="Open Sans"/>
+              </a:rPr>
+              <a:t>정도의 차이는 있으나 </a:t>
+            </a:r>
+            <a:r>
+              <a:rPr lang="en-US" altLang="ko-KR" dirty="0">
+                <a:solidFill>
+                  <a:srgbClr val="333333"/>
+                </a:solidFill>
+                <a:latin typeface="Open Sans"/>
+              </a:rPr>
+              <a:t>99.7%</a:t>
+            </a:r>
+            <a:r>
+              <a:rPr lang="ko-KR" altLang="en-US" dirty="0">
+                <a:solidFill>
+                  <a:srgbClr val="333333"/>
+                </a:solidFill>
+                <a:latin typeface="Open Sans"/>
+              </a:rPr>
+              <a:t>의 병리학자들이 번아웃을 경험했다</a:t>
+            </a:r>
+            <a:r>
+              <a:rPr lang="en-US" altLang="ko-KR" dirty="0">
+                <a:solidFill>
+                  <a:srgbClr val="333333"/>
+                </a:solidFill>
+                <a:latin typeface="Open Sans"/>
+              </a:rPr>
+              <a:t>. </a:t>
+            </a:r>
+          </a:p>
+          <a:p>
+            <a:endParaRPr lang="en-US" altLang="ko-KR" dirty="0">
+              <a:solidFill>
+                <a:srgbClr val="333333"/>
+              </a:solidFill>
+              <a:latin typeface="Open Sans"/>
+            </a:endParaRPr>
+          </a:p>
+          <a:p>
+            <a:endParaRPr lang="en-US" altLang="ko-KR" dirty="0">
+              <a:solidFill>
+                <a:srgbClr val="333333"/>
+              </a:solidFill>
+              <a:latin typeface="Open Sans"/>
+            </a:endParaRPr>
+          </a:p>
+          <a:p>
+            <a:r>
+              <a:rPr lang="en-US" altLang="ko-KR" dirty="0"/>
+              <a:t>One qualitative study added to the literature on burnout. McLaughlin, Lincoln, and Adamson (</a:t>
+            </a:r>
+            <a:r>
+              <a:rPr lang="en-US" altLang="ko-KR" dirty="0">
+                <a:hlinkClick r:id="rId5"/>
+              </a:rPr>
+              <a:t>2008</a:t>
+            </a:r>
+            <a:r>
+              <a:rPr lang="en-US" altLang="ko-KR" dirty="0"/>
+              <a:t>) identified feelings of decreased personal accomplishment (one element of burnout) in their interviewees, which led them to conclude that the SLPs were possibly at risk of developing burnout.</a:t>
+            </a:r>
+          </a:p>
+          <a:p>
+            <a:r>
+              <a:rPr lang="en-US" altLang="ko-KR" dirty="0"/>
+              <a:t>=&gt; </a:t>
+            </a:r>
+          </a:p>
+          <a:p>
+            <a:endParaRPr lang="ko-KR" altLang="en-US" dirty="0"/>
+          </a:p>
+        </p:txBody>
+      </p:sp>
+      <p:sp>
+        <p:nvSpPr>
+          <p:cNvPr id="4" name="직사각형 3">
+            <a:extLst>
+              <a:ext uri="{FF2B5EF4-FFF2-40B4-BE49-F238E27FC236}">
+                <a16:creationId xmlns:a16="http://schemas.microsoft.com/office/drawing/2014/main" id="{D6B398CD-447C-44B5-9F6B-1C8F49F3B1B6}"/>
+              </a:ext>
+            </a:extLst>
+          </p:cNvPr>
+          <p:cNvSpPr/>
+          <p:nvPr/>
+        </p:nvSpPr>
+        <p:spPr>
+          <a:xfrm>
+            <a:off x="-6836566" y="6988678"/>
+            <a:ext cx="6096000" cy="1200329"/>
           </a:xfrm>
           <a:prstGeom prst="rect">
             <a:avLst/>
@@ -22668,398 +22684,63 @@
           <a:lstStyle/>
           <a:p>
             <a:r>
-              <a:rPr lang="ko-KR" altLang="en-US" sz="1100" dirty="0" err="1"/>
-              <a:t>Application</a:t>
-            </a:r>
-            <a:r>
-              <a:rPr lang="ko-KR" altLang="en-US" sz="1100" dirty="0"/>
-              <a:t> of AI </a:t>
-            </a:r>
-            <a:r>
-              <a:rPr lang="ko-KR" altLang="en-US" sz="1100" dirty="0" err="1"/>
-              <a:t>in</a:t>
-            </a:r>
-            <a:r>
-              <a:rPr lang="ko-KR" altLang="en-US" sz="1100" dirty="0"/>
-              <a:t> </a:t>
-            </a:r>
-            <a:r>
-              <a:rPr lang="ko-KR" altLang="en-US" sz="1100" dirty="0" err="1"/>
-              <a:t>digital</a:t>
-            </a:r>
-            <a:r>
-              <a:rPr lang="ko-KR" altLang="en-US" sz="1100" dirty="0"/>
-              <a:t> </a:t>
-            </a:r>
-            <a:r>
-              <a:rPr lang="ko-KR" altLang="en-US" sz="1100" dirty="0" err="1"/>
-              <a:t>tissue</a:t>
-            </a:r>
-            <a:r>
-              <a:rPr lang="ko-KR" altLang="en-US" sz="1100" dirty="0"/>
-              <a:t>--</a:t>
-            </a:r>
-            <a:r>
-              <a:rPr lang="ko-KR" altLang="en-US" sz="1100" dirty="0" err="1"/>
-              <a:t>based</a:t>
-            </a:r>
-            <a:r>
-              <a:rPr lang="ko-KR" altLang="en-US" sz="1100" dirty="0"/>
-              <a:t> </a:t>
-            </a:r>
-            <a:r>
-              <a:rPr lang="ko-KR" altLang="en-US" sz="1100" dirty="0" err="1"/>
-              <a:t>diagnosis</a:t>
-            </a:r>
-            <a:r>
-              <a:rPr lang="ko-KR" altLang="en-US" sz="1100" dirty="0"/>
-              <a:t> </a:t>
-            </a:r>
-            <a:r>
-              <a:rPr lang="ko-KR" altLang="en-US" sz="1100" dirty="0" err="1"/>
-              <a:t>will</a:t>
-            </a:r>
-            <a:r>
-              <a:rPr lang="ko-KR" altLang="en-US" sz="1100" dirty="0"/>
-              <a:t> </a:t>
-            </a:r>
-            <a:r>
-              <a:rPr lang="ko-KR" altLang="en-US" sz="1100" dirty="0" err="1"/>
-              <a:t>allow</a:t>
-            </a:r>
-            <a:r>
-              <a:rPr lang="ko-KR" altLang="en-US" sz="1100" dirty="0"/>
-              <a:t> </a:t>
-            </a:r>
-            <a:r>
-              <a:rPr lang="ko-KR" altLang="en-US" sz="1100" dirty="0" err="1"/>
-              <a:t>the</a:t>
-            </a:r>
-            <a:r>
-              <a:rPr lang="ko-KR" altLang="en-US" sz="1100" dirty="0"/>
-              <a:t> </a:t>
-            </a:r>
-            <a:r>
-              <a:rPr lang="ko-KR" altLang="en-US" sz="1100" dirty="0" err="1"/>
-              <a:t>pathologists</a:t>
-            </a:r>
-            <a:r>
-              <a:rPr lang="ko-KR" altLang="en-US" sz="1100" dirty="0"/>
-              <a:t> </a:t>
-            </a:r>
-            <a:r>
-              <a:rPr lang="ko-KR" altLang="en-US" sz="1100" dirty="0" err="1"/>
-              <a:t>to</a:t>
-            </a:r>
-            <a:r>
-              <a:rPr lang="ko-KR" altLang="en-US" sz="1100" dirty="0"/>
-              <a:t> </a:t>
-            </a:r>
-            <a:r>
-              <a:rPr lang="ko-KR" altLang="en-US" sz="1100" dirty="0" err="1"/>
-              <a:t>work</a:t>
-            </a:r>
-            <a:r>
-              <a:rPr lang="ko-KR" altLang="en-US" sz="1100" dirty="0"/>
-              <a:t> </a:t>
-            </a:r>
-            <a:r>
-              <a:rPr lang="ko-KR" altLang="en-US" sz="1100" dirty="0" err="1"/>
-              <a:t>as</a:t>
-            </a:r>
-            <a:r>
-              <a:rPr lang="ko-KR" altLang="en-US" sz="1100" dirty="0"/>
-              <a:t> </a:t>
-            </a:r>
-            <a:r>
-              <a:rPr lang="ko-KR" altLang="en-US" sz="1100" dirty="0" err="1"/>
-              <a:t>supervisors</a:t>
-            </a:r>
-            <a:r>
-              <a:rPr lang="ko-KR" altLang="en-US" sz="1100" dirty="0"/>
-              <a:t> and </a:t>
-            </a:r>
-            <a:r>
-              <a:rPr lang="ko-KR" altLang="en-US" sz="1100" dirty="0" err="1"/>
-              <a:t>no</a:t>
-            </a:r>
-            <a:r>
-              <a:rPr lang="ko-KR" altLang="en-US" sz="1100" dirty="0"/>
-              <a:t> </a:t>
-            </a:r>
-            <a:r>
-              <a:rPr lang="ko-KR" altLang="en-US" sz="1100" dirty="0" err="1"/>
-              <a:t>longer</a:t>
-            </a:r>
-            <a:r>
-              <a:rPr lang="ko-KR" altLang="en-US" sz="1100" dirty="0"/>
-              <a:t> </a:t>
-            </a:r>
-            <a:r>
-              <a:rPr lang="ko-KR" altLang="en-US" sz="1100" dirty="0" err="1"/>
-              <a:t>as</a:t>
-            </a:r>
-            <a:r>
-              <a:rPr lang="ko-KR" altLang="en-US" sz="1100" dirty="0"/>
-              <a:t> </a:t>
-            </a:r>
-            <a:r>
-              <a:rPr lang="ko-KR" altLang="en-US" sz="1100" dirty="0" err="1"/>
-              <a:t>primary</a:t>
-            </a:r>
-            <a:r>
-              <a:rPr lang="ko-KR" altLang="en-US" sz="1100" dirty="0"/>
-              <a:t> "</a:t>
-            </a:r>
-            <a:r>
-              <a:rPr lang="ko-KR" altLang="en-US" sz="1100" dirty="0" err="1"/>
-              <a:t>water</a:t>
-            </a:r>
-            <a:r>
-              <a:rPr lang="ko-KR" altLang="en-US" sz="1100" dirty="0"/>
-              <a:t> </a:t>
-            </a:r>
-            <a:r>
-              <a:rPr lang="ko-KR" altLang="en-US" sz="1100" dirty="0" err="1"/>
-              <a:t>carriers</a:t>
-            </a:r>
-            <a:r>
-              <a:rPr lang="ko-KR" altLang="en-US" sz="1100" dirty="0"/>
-              <a:t>". </a:t>
-            </a:r>
-            <a:r>
-              <a:rPr lang="ko-KR" altLang="en-US" sz="1100" dirty="0" err="1"/>
-              <a:t>Its</a:t>
-            </a:r>
-            <a:r>
-              <a:rPr lang="ko-KR" altLang="en-US" sz="1100" dirty="0"/>
-              <a:t> </a:t>
-            </a:r>
-            <a:r>
-              <a:rPr lang="ko-KR" altLang="en-US" sz="1100" dirty="0" err="1"/>
-              <a:t>accurate</a:t>
-            </a:r>
-            <a:r>
-              <a:rPr lang="ko-KR" altLang="en-US" sz="1100" dirty="0"/>
-              <a:t> </a:t>
-            </a:r>
-            <a:r>
-              <a:rPr lang="ko-KR" altLang="en-US" sz="1100" dirty="0" err="1"/>
-              <a:t>use</a:t>
-            </a:r>
-            <a:r>
-              <a:rPr lang="ko-KR" altLang="en-US" sz="1100" dirty="0"/>
-              <a:t> </a:t>
-            </a:r>
-            <a:r>
-              <a:rPr lang="ko-KR" altLang="en-US" sz="1100" dirty="0" err="1"/>
-              <a:t>will</a:t>
-            </a:r>
-            <a:r>
-              <a:rPr lang="ko-KR" altLang="en-US" sz="1100" dirty="0"/>
-              <a:t> </a:t>
-            </a:r>
-            <a:r>
-              <a:rPr lang="ko-KR" altLang="en-US" sz="1100" dirty="0" err="1"/>
-              <a:t>give</a:t>
-            </a:r>
-            <a:r>
-              <a:rPr lang="ko-KR" altLang="en-US" sz="1100" dirty="0"/>
-              <a:t> </a:t>
-            </a:r>
-            <a:r>
-              <a:rPr lang="ko-KR" altLang="en-US" sz="1100" dirty="0" err="1"/>
-              <a:t>them</a:t>
-            </a:r>
-            <a:r>
-              <a:rPr lang="ko-KR" altLang="en-US" sz="1100" dirty="0"/>
-              <a:t> </a:t>
-            </a:r>
-            <a:r>
-              <a:rPr lang="ko-KR" altLang="en-US" sz="1100" dirty="0" err="1"/>
-              <a:t>the</a:t>
-            </a:r>
-            <a:r>
-              <a:rPr lang="ko-KR" altLang="en-US" sz="1100" dirty="0"/>
-              <a:t> </a:t>
-            </a:r>
-            <a:r>
-              <a:rPr lang="ko-KR" altLang="en-US" sz="1100" dirty="0" err="1"/>
-              <a:t>time</a:t>
-            </a:r>
-            <a:r>
-              <a:rPr lang="ko-KR" altLang="en-US" sz="1100" dirty="0"/>
-              <a:t> </a:t>
-            </a:r>
-            <a:r>
-              <a:rPr lang="ko-KR" altLang="en-US" sz="1100" dirty="0" err="1"/>
-              <a:t>needed</a:t>
-            </a:r>
-            <a:r>
-              <a:rPr lang="ko-KR" altLang="en-US" sz="1100" dirty="0"/>
-              <a:t> </a:t>
-            </a:r>
-            <a:r>
-              <a:rPr lang="ko-KR" altLang="en-US" sz="1100" dirty="0" err="1"/>
-              <a:t>to</a:t>
-            </a:r>
-            <a:r>
-              <a:rPr lang="ko-KR" altLang="en-US" sz="1100" dirty="0"/>
-              <a:t> </a:t>
-            </a:r>
-            <a:r>
-              <a:rPr lang="ko-KR" altLang="en-US" sz="1100" dirty="0" err="1"/>
-              <a:t>concentrating</a:t>
-            </a:r>
-            <a:r>
-              <a:rPr lang="ko-KR" altLang="en-US" sz="1100" dirty="0"/>
-              <a:t> </a:t>
-            </a:r>
-            <a:r>
-              <a:rPr lang="ko-KR" altLang="en-US" sz="1100" dirty="0" err="1"/>
-              <a:t>on</a:t>
-            </a:r>
-            <a:r>
-              <a:rPr lang="ko-KR" altLang="en-US" sz="1100" dirty="0"/>
-              <a:t> </a:t>
-            </a:r>
-            <a:r>
-              <a:rPr lang="ko-KR" altLang="en-US" sz="1100" dirty="0" err="1"/>
-              <a:t>difficult</a:t>
-            </a:r>
-            <a:r>
-              <a:rPr lang="ko-KR" altLang="en-US" sz="1100" dirty="0"/>
-              <a:t> </a:t>
-            </a:r>
-            <a:r>
-              <a:rPr lang="ko-KR" altLang="en-US" sz="1100" dirty="0" err="1"/>
-              <a:t>cases</a:t>
-            </a:r>
-            <a:r>
-              <a:rPr lang="ko-KR" altLang="en-US" sz="1100" dirty="0"/>
-              <a:t> </a:t>
-            </a:r>
-            <a:r>
-              <a:rPr lang="ko-KR" altLang="en-US" sz="1100" dirty="0" err="1"/>
-              <a:t>for</a:t>
-            </a:r>
-            <a:r>
-              <a:rPr lang="ko-KR" altLang="en-US" sz="1100" dirty="0"/>
-              <a:t> </a:t>
-            </a:r>
-            <a:r>
-              <a:rPr lang="ko-KR" altLang="en-US" sz="1100" dirty="0" err="1"/>
-              <a:t>the</a:t>
-            </a:r>
-            <a:r>
-              <a:rPr lang="ko-KR" altLang="en-US" sz="1100" dirty="0"/>
-              <a:t> </a:t>
-            </a:r>
-            <a:r>
-              <a:rPr lang="ko-KR" altLang="en-US" sz="1100" dirty="0" err="1"/>
-              <a:t>benefit</a:t>
-            </a:r>
-            <a:r>
-              <a:rPr lang="ko-KR" altLang="en-US" sz="1100" dirty="0"/>
-              <a:t> of </a:t>
-            </a:r>
-            <a:r>
-              <a:rPr lang="ko-KR" altLang="en-US" sz="1100" dirty="0" err="1"/>
-              <a:t>their</a:t>
-            </a:r>
-            <a:r>
-              <a:rPr lang="ko-KR" altLang="en-US" sz="1100" dirty="0"/>
-              <a:t> </a:t>
-            </a:r>
-            <a:r>
-              <a:rPr lang="ko-KR" altLang="en-US" sz="1100" dirty="0" err="1"/>
-              <a:t>patients</a:t>
-            </a:r>
-            <a:endParaRPr lang="en-US" altLang="ko-KR" sz="1100" dirty="0"/>
-          </a:p>
-          <a:p>
-            <a:r>
-              <a:rPr lang="en-US" altLang="ko-KR" sz="1100" dirty="0"/>
-              <a:t>AI (artificial intelligence) in histopathology--from image analysis to automated diagnosis.</a:t>
-            </a:r>
-          </a:p>
-          <a:p>
-            <a:r>
-              <a:rPr lang="en-US" altLang="ko-KR" sz="1100" dirty="0"/>
-              <a:t>Klaus </a:t>
-            </a:r>
-            <a:r>
-              <a:rPr lang="en-US" altLang="ko-KR" sz="1100" dirty="0" err="1"/>
-              <a:t>Kayser</a:t>
-            </a:r>
-            <a:r>
-              <a:rPr lang="en-US" altLang="ko-KR" sz="1100" dirty="0"/>
-              <a:t>, </a:t>
-            </a:r>
-            <a:r>
-              <a:rPr lang="en-US" altLang="ko-KR" sz="1100" dirty="0" err="1"/>
-              <a:t>JĂźrgen</a:t>
-            </a:r>
-            <a:r>
-              <a:rPr lang="en-US" altLang="ko-KR" sz="1100" dirty="0"/>
-              <a:t> </a:t>
-            </a:r>
-            <a:r>
-              <a:rPr lang="en-US" altLang="ko-KR" sz="1100" dirty="0" err="1"/>
-              <a:t>GĂśrtler</a:t>
-            </a:r>
-            <a:r>
-              <a:rPr lang="en-US" altLang="ko-KR" sz="1100" dirty="0"/>
-              <a:t>, </a:t>
-            </a:r>
-            <a:r>
-              <a:rPr lang="en-US" altLang="ko-KR" sz="1100" dirty="0" err="1"/>
-              <a:t>Milica</a:t>
-            </a:r>
-            <a:r>
-              <a:rPr lang="en-US" altLang="ko-KR" sz="1100" dirty="0"/>
-              <a:t> </a:t>
-            </a:r>
-            <a:r>
-              <a:rPr lang="en-US" altLang="ko-KR" sz="1100" dirty="0" err="1"/>
-              <a:t>Bogovac</a:t>
-            </a:r>
-            <a:r>
-              <a:rPr lang="en-US" altLang="ko-KR" sz="1100" dirty="0"/>
-              <a:t>, Aleksandar </a:t>
-            </a:r>
-            <a:r>
-              <a:rPr lang="en-US" altLang="ko-KR" sz="1100" dirty="0" err="1"/>
-              <a:t>Bogovac</a:t>
-            </a:r>
-            <a:r>
-              <a:rPr lang="en-US" altLang="ko-KR" sz="1100" dirty="0"/>
-              <a:t>, </a:t>
-            </a:r>
-            <a:r>
-              <a:rPr lang="en-US" altLang="ko-KR" sz="1100" dirty="0" err="1"/>
-              <a:t>Torsten</a:t>
-            </a:r>
-            <a:r>
-              <a:rPr lang="en-US" altLang="ko-KR" sz="1100" dirty="0"/>
-              <a:t> </a:t>
-            </a:r>
-            <a:r>
-              <a:rPr lang="en-US" altLang="ko-KR" sz="1100" dirty="0" err="1"/>
-              <a:t>Goldmann</a:t>
-            </a:r>
-            <a:r>
-              <a:rPr lang="en-US" altLang="ko-KR" sz="1100" dirty="0"/>
-              <a:t>, Ekkehard Vollmer, Gian </a:t>
-            </a:r>
-            <a:r>
-              <a:rPr lang="en-US" altLang="ko-KR" sz="1100" dirty="0" err="1"/>
-              <a:t>Kayser</a:t>
-            </a:r>
-            <a:endParaRPr lang="en-US" altLang="ko-KR" sz="1100" dirty="0"/>
-          </a:p>
-          <a:p>
-            <a:endParaRPr lang="ko-KR" altLang="en-US" sz="1100" dirty="0"/>
+              <a:rPr lang="en-US" altLang="ko-KR" dirty="0">
+                <a:solidFill>
+                  <a:srgbClr val="333333"/>
+                </a:solidFill>
+                <a:latin typeface="Open Sans"/>
+              </a:rPr>
+              <a:t>Heritage et al. (</a:t>
+            </a:r>
+            <a:r>
+              <a:rPr lang="en-US" altLang="ko-KR" dirty="0">
+                <a:solidFill>
+                  <a:srgbClr val="10147E"/>
+                </a:solidFill>
+                <a:latin typeface="Open Sans"/>
+                <a:hlinkClick r:id="rId5"/>
+              </a:rPr>
+              <a:t>2019</a:t>
+            </a:r>
+            <a:r>
+              <a:rPr lang="en-US" altLang="ko-KR" dirty="0">
+                <a:solidFill>
+                  <a:srgbClr val="333333"/>
+                </a:solidFill>
+                <a:latin typeface="Open Sans"/>
+              </a:rPr>
+              <a:t>) reported that a lack of job satisfaction contributed significantly to the intention to leave the profession.</a:t>
+            </a:r>
+          </a:p>
+          <a:p>
+            <a:r>
+              <a:rPr lang="en-US" altLang="ko-KR" dirty="0">
+                <a:solidFill>
+                  <a:srgbClr val="333333"/>
+                </a:solidFill>
+                <a:latin typeface="Open Sans"/>
+              </a:rPr>
+              <a:t>=&gt; </a:t>
+            </a:r>
+            <a:r>
+              <a:rPr lang="ko-KR" altLang="en-US" dirty="0">
+                <a:solidFill>
+                  <a:srgbClr val="333333"/>
+                </a:solidFill>
+                <a:latin typeface="Open Sans"/>
+              </a:rPr>
+              <a:t>이탈 가능성이 있다</a:t>
+            </a:r>
+            <a:r>
+              <a:rPr lang="en-US" altLang="ko-KR" dirty="0">
+                <a:solidFill>
+                  <a:srgbClr val="333333"/>
+                </a:solidFill>
+                <a:latin typeface="Open Sans"/>
+              </a:rPr>
+              <a:t>.</a:t>
+            </a:r>
+            <a:endParaRPr lang="ko-KR" altLang="en-US" dirty="0"/>
           </a:p>
         </p:txBody>
       </p:sp>
@@ -24433,6 +24114,732 @@
               <a:rPr lang="ko-KR" altLang="en-US" sz="1100" dirty="0"/>
               <a:t>. </a:t>
             </a:r>
+          </a:p>
+        </p:txBody>
+      </p:sp>
+      <p:sp>
+        <p:nvSpPr>
+          <p:cNvPr id="21" name="직사각형 20">
+            <a:extLst>
+              <a:ext uri="{FF2B5EF4-FFF2-40B4-BE49-F238E27FC236}">
+                <a16:creationId xmlns:a16="http://schemas.microsoft.com/office/drawing/2014/main" id="{6BE40105-659B-4A3B-9DEC-9840C81B59CC}"/>
+              </a:ext>
+            </a:extLst>
+          </p:cNvPr>
+          <p:cNvSpPr/>
+          <p:nvPr/>
+        </p:nvSpPr>
+        <p:spPr>
+          <a:xfrm>
+            <a:off x="430669" y="4489706"/>
+            <a:ext cx="6096000" cy="600164"/>
+          </a:xfrm>
+          <a:prstGeom prst="rect">
+            <a:avLst/>
+          </a:prstGeom>
+        </p:spPr>
+        <p:txBody>
+          <a:bodyPr>
+            <a:spAutoFit/>
+          </a:bodyPr>
+          <a:lstStyle/>
+          <a:p>
+            <a:r>
+              <a:rPr lang="ko-KR" altLang="en-US" sz="1100" dirty="0"/>
+              <a:t>AI-</a:t>
+            </a:r>
+            <a:r>
+              <a:rPr lang="ko-KR" altLang="en-US" sz="1100" dirty="0" err="1"/>
+              <a:t>based</a:t>
+            </a:r>
+            <a:r>
+              <a:rPr lang="ko-KR" altLang="en-US" sz="1100" dirty="0"/>
+              <a:t> </a:t>
+            </a:r>
+            <a:r>
+              <a:rPr lang="ko-KR" altLang="en-US" sz="1100" dirty="0" err="1"/>
+              <a:t>computational</a:t>
+            </a:r>
+            <a:r>
+              <a:rPr lang="ko-KR" altLang="en-US" sz="1100" dirty="0"/>
+              <a:t> </a:t>
+            </a:r>
+            <a:r>
+              <a:rPr lang="ko-KR" altLang="en-US" sz="1100" dirty="0" err="1"/>
+              <a:t>pathology</a:t>
+            </a:r>
+            <a:r>
+              <a:rPr lang="ko-KR" altLang="en-US" sz="1100" dirty="0"/>
+              <a:t> </a:t>
+            </a:r>
+            <a:r>
+              <a:rPr lang="ko-KR" altLang="en-US" sz="1100" dirty="0" err="1"/>
+              <a:t>as</a:t>
+            </a:r>
+            <a:r>
+              <a:rPr lang="ko-KR" altLang="en-US" sz="1100" dirty="0"/>
+              <a:t> </a:t>
+            </a:r>
+            <a:r>
+              <a:rPr lang="ko-KR" altLang="en-US" sz="1100" dirty="0" err="1"/>
+              <a:t>an</a:t>
+            </a:r>
+            <a:r>
+              <a:rPr lang="ko-KR" altLang="en-US" sz="1100" dirty="0"/>
+              <a:t> </a:t>
+            </a:r>
+            <a:r>
+              <a:rPr lang="ko-KR" altLang="en-US" sz="1100" dirty="0" err="1"/>
+              <a:t>emerging</a:t>
+            </a:r>
+            <a:r>
+              <a:rPr lang="ko-KR" altLang="en-US" sz="1100" dirty="0"/>
+              <a:t> </a:t>
+            </a:r>
+            <a:r>
+              <a:rPr lang="ko-KR" altLang="en-US" sz="1100" dirty="0" err="1"/>
+              <a:t>discipline</a:t>
+            </a:r>
+            <a:r>
+              <a:rPr lang="ko-KR" altLang="en-US" sz="1100" dirty="0"/>
+              <a:t> </a:t>
+            </a:r>
+            <a:r>
+              <a:rPr lang="ko-KR" altLang="en-US" sz="1100" dirty="0" err="1"/>
+              <a:t>has</a:t>
+            </a:r>
+            <a:r>
+              <a:rPr lang="ko-KR" altLang="en-US" sz="1100" dirty="0"/>
+              <a:t> </a:t>
+            </a:r>
+            <a:r>
+              <a:rPr lang="ko-KR" altLang="en-US" sz="1100" dirty="0" err="1"/>
+              <a:t>recently</a:t>
+            </a:r>
+            <a:r>
+              <a:rPr lang="ko-KR" altLang="en-US" sz="1100" dirty="0"/>
+              <a:t> </a:t>
+            </a:r>
+            <a:r>
+              <a:rPr lang="ko-KR" altLang="en-US" sz="1100" dirty="0" err="1"/>
+              <a:t>shown</a:t>
+            </a:r>
+            <a:r>
+              <a:rPr lang="ko-KR" altLang="en-US" sz="1100" dirty="0"/>
+              <a:t> </a:t>
+            </a:r>
+            <a:r>
+              <a:rPr lang="ko-KR" altLang="en-US" sz="1100" dirty="0" err="1"/>
+              <a:t>great</a:t>
+            </a:r>
+            <a:r>
+              <a:rPr lang="ko-KR" altLang="en-US" sz="1100" dirty="0"/>
+              <a:t> </a:t>
+            </a:r>
+            <a:r>
+              <a:rPr lang="ko-KR" altLang="en-US" sz="1100" dirty="0" err="1"/>
+              <a:t>promise</a:t>
+            </a:r>
+            <a:r>
+              <a:rPr lang="ko-KR" altLang="en-US" sz="1100" dirty="0"/>
+              <a:t> </a:t>
+            </a:r>
+            <a:r>
+              <a:rPr lang="ko-KR" altLang="en-US" sz="1100" dirty="0" err="1"/>
+              <a:t>to</a:t>
+            </a:r>
+            <a:r>
+              <a:rPr lang="ko-KR" altLang="en-US" sz="1100" dirty="0"/>
+              <a:t> </a:t>
+            </a:r>
+            <a:r>
+              <a:rPr lang="ko-KR" altLang="en-US" sz="1100" dirty="0" err="1"/>
+              <a:t>increase</a:t>
+            </a:r>
+            <a:r>
+              <a:rPr lang="ko-KR" altLang="en-US" sz="1100" dirty="0"/>
+              <a:t> </a:t>
+            </a:r>
+            <a:r>
+              <a:rPr lang="ko-KR" altLang="en-US" sz="1100" dirty="0" err="1"/>
+              <a:t>both</a:t>
+            </a:r>
+            <a:r>
+              <a:rPr lang="ko-KR" altLang="en-US" sz="1100" dirty="0"/>
+              <a:t> </a:t>
+            </a:r>
+            <a:r>
+              <a:rPr lang="ko-KR" altLang="en-US" sz="1100" dirty="0" err="1"/>
+              <a:t>the</a:t>
+            </a:r>
+            <a:r>
+              <a:rPr lang="ko-KR" altLang="en-US" sz="1100" dirty="0"/>
+              <a:t> </a:t>
+            </a:r>
+            <a:r>
+              <a:rPr lang="ko-KR" altLang="en-US" sz="1100" dirty="0" err="1"/>
+              <a:t>accuracy</a:t>
+            </a:r>
+            <a:r>
+              <a:rPr lang="ko-KR" altLang="en-US" sz="1100" dirty="0"/>
+              <a:t> and </a:t>
+            </a:r>
+            <a:r>
+              <a:rPr lang="ko-KR" altLang="en-US" sz="1100" dirty="0" err="1"/>
+              <a:t>availability</a:t>
+            </a:r>
+            <a:r>
+              <a:rPr lang="ko-KR" altLang="en-US" sz="1100" dirty="0"/>
+              <a:t> of </a:t>
+            </a:r>
+            <a:r>
+              <a:rPr lang="ko-KR" altLang="en-US" sz="1100" dirty="0" err="1"/>
+              <a:t>high-quality</a:t>
+            </a:r>
+            <a:r>
+              <a:rPr lang="ko-KR" altLang="en-US" sz="1100" dirty="0"/>
+              <a:t> </a:t>
+            </a:r>
+            <a:r>
+              <a:rPr lang="ko-KR" altLang="en-US" sz="1100" dirty="0" err="1"/>
+              <a:t>health</a:t>
+            </a:r>
+            <a:r>
+              <a:rPr lang="ko-KR" altLang="en-US" sz="1100" dirty="0"/>
+              <a:t> </a:t>
+            </a:r>
+            <a:r>
+              <a:rPr lang="ko-KR" altLang="en-US" sz="1100" dirty="0" err="1"/>
+              <a:t>care</a:t>
+            </a:r>
+            <a:r>
+              <a:rPr lang="ko-KR" altLang="en-US" sz="1100" dirty="0"/>
+              <a:t> </a:t>
+            </a:r>
+            <a:r>
+              <a:rPr lang="ko-KR" altLang="en-US" sz="1100" dirty="0" err="1"/>
+              <a:t>to</a:t>
+            </a:r>
+            <a:r>
+              <a:rPr lang="ko-KR" altLang="en-US" sz="1100" dirty="0"/>
+              <a:t> </a:t>
+            </a:r>
+            <a:r>
+              <a:rPr lang="ko-KR" altLang="en-US" sz="1100" dirty="0" err="1"/>
+              <a:t>patients</a:t>
+            </a:r>
+            <a:r>
+              <a:rPr lang="ko-KR" altLang="en-US" sz="1100" dirty="0"/>
+              <a:t> </a:t>
+            </a:r>
+            <a:r>
+              <a:rPr lang="ko-KR" altLang="en-US" sz="1100" dirty="0" err="1"/>
+              <a:t>in</a:t>
+            </a:r>
+            <a:r>
+              <a:rPr lang="ko-KR" altLang="en-US" sz="1100" dirty="0"/>
+              <a:t> </a:t>
+            </a:r>
+            <a:r>
+              <a:rPr lang="ko-KR" altLang="en-US" sz="1100" dirty="0" err="1"/>
+              <a:t>many</a:t>
+            </a:r>
+            <a:r>
+              <a:rPr lang="ko-KR" altLang="en-US" sz="1100" dirty="0"/>
+              <a:t> </a:t>
+            </a:r>
+            <a:r>
+              <a:rPr lang="ko-KR" altLang="en-US" sz="1100" dirty="0" err="1"/>
+              <a:t>medical</a:t>
+            </a:r>
+            <a:r>
+              <a:rPr lang="ko-KR" altLang="en-US" sz="1100" dirty="0"/>
+              <a:t> </a:t>
+            </a:r>
+            <a:r>
+              <a:rPr lang="ko-KR" altLang="en-US" sz="1100" dirty="0" err="1"/>
+              <a:t>fields</a:t>
+            </a:r>
+            <a:r>
+              <a:rPr lang="ko-KR" altLang="en-US" sz="1100" dirty="0"/>
+              <a:t>. </a:t>
+            </a:r>
+          </a:p>
+        </p:txBody>
+      </p:sp>
+      <p:sp>
+        <p:nvSpPr>
+          <p:cNvPr id="22" name="직사각형 21">
+            <a:extLst>
+              <a:ext uri="{FF2B5EF4-FFF2-40B4-BE49-F238E27FC236}">
+                <a16:creationId xmlns:a16="http://schemas.microsoft.com/office/drawing/2014/main" id="{8477170F-0A2A-441B-A563-1E55F5D974D9}"/>
+              </a:ext>
+            </a:extLst>
+          </p:cNvPr>
+          <p:cNvSpPr/>
+          <p:nvPr/>
+        </p:nvSpPr>
+        <p:spPr>
+          <a:xfrm>
+            <a:off x="299358" y="3728639"/>
+            <a:ext cx="7956024" cy="646331"/>
+          </a:xfrm>
+          <a:prstGeom prst="rect">
+            <a:avLst/>
+          </a:prstGeom>
+        </p:spPr>
+        <p:txBody>
+          <a:bodyPr wrap="none">
+            <a:spAutoFit/>
+          </a:bodyPr>
+          <a:lstStyle/>
+          <a:p>
+            <a:r>
+              <a:rPr lang="en-US" altLang="ko-KR" dirty="0"/>
+              <a:t>Deep learning(DL) </a:t>
+            </a:r>
+            <a:r>
+              <a:rPr lang="ko-KR" altLang="en-US" dirty="0"/>
+              <a:t>기반의 서포트 시스템은 업무과중을 해소할 뿐만 아니라</a:t>
+            </a:r>
+            <a:r>
+              <a:rPr lang="en-US" altLang="ko-KR" dirty="0"/>
+              <a:t>, </a:t>
+            </a:r>
+          </a:p>
+          <a:p>
+            <a:r>
+              <a:rPr lang="ko-KR" altLang="en-US" dirty="0"/>
+              <a:t>진단 정확도까지 향상시키는 방안으로 기대되고 있다</a:t>
+            </a:r>
+            <a:r>
+              <a:rPr lang="en-US" altLang="ko-KR" dirty="0"/>
+              <a:t>. </a:t>
+            </a:r>
+            <a:endParaRPr lang="ko-KR" altLang="en-US" dirty="0"/>
+          </a:p>
+        </p:txBody>
+      </p:sp>
+      <p:sp>
+        <p:nvSpPr>
+          <p:cNvPr id="23" name="직사각형 22">
+            <a:extLst>
+              <a:ext uri="{FF2B5EF4-FFF2-40B4-BE49-F238E27FC236}">
+                <a16:creationId xmlns:a16="http://schemas.microsoft.com/office/drawing/2014/main" id="{C826F91B-2831-4D6C-8ECF-F3E8B0A5E608}"/>
+              </a:ext>
+            </a:extLst>
+          </p:cNvPr>
+          <p:cNvSpPr/>
+          <p:nvPr/>
+        </p:nvSpPr>
+        <p:spPr>
+          <a:xfrm>
+            <a:off x="430669" y="5244580"/>
+            <a:ext cx="6096000" cy="1277273"/>
+          </a:xfrm>
+          <a:prstGeom prst="rect">
+            <a:avLst/>
+          </a:prstGeom>
+        </p:spPr>
+        <p:txBody>
+          <a:bodyPr>
+            <a:spAutoFit/>
+          </a:bodyPr>
+          <a:lstStyle/>
+          <a:p>
+            <a:r>
+              <a:rPr lang="ko-KR" altLang="en-US" sz="1100" dirty="0" err="1"/>
+              <a:t>Application</a:t>
+            </a:r>
+            <a:r>
+              <a:rPr lang="ko-KR" altLang="en-US" sz="1100" dirty="0"/>
+              <a:t> of AI </a:t>
+            </a:r>
+            <a:r>
+              <a:rPr lang="ko-KR" altLang="en-US" sz="1100" dirty="0" err="1"/>
+              <a:t>in</a:t>
+            </a:r>
+            <a:r>
+              <a:rPr lang="ko-KR" altLang="en-US" sz="1100" dirty="0"/>
+              <a:t> </a:t>
+            </a:r>
+            <a:r>
+              <a:rPr lang="ko-KR" altLang="en-US" sz="1100" dirty="0" err="1"/>
+              <a:t>digital</a:t>
+            </a:r>
+            <a:r>
+              <a:rPr lang="ko-KR" altLang="en-US" sz="1100" dirty="0"/>
+              <a:t> </a:t>
+            </a:r>
+            <a:r>
+              <a:rPr lang="ko-KR" altLang="en-US" sz="1100" dirty="0" err="1"/>
+              <a:t>tissue</a:t>
+            </a:r>
+            <a:r>
+              <a:rPr lang="ko-KR" altLang="en-US" sz="1100" dirty="0"/>
+              <a:t>--</a:t>
+            </a:r>
+            <a:r>
+              <a:rPr lang="ko-KR" altLang="en-US" sz="1100" dirty="0" err="1"/>
+              <a:t>based</a:t>
+            </a:r>
+            <a:r>
+              <a:rPr lang="ko-KR" altLang="en-US" sz="1100" dirty="0"/>
+              <a:t> </a:t>
+            </a:r>
+            <a:r>
+              <a:rPr lang="ko-KR" altLang="en-US" sz="1100" dirty="0" err="1"/>
+              <a:t>diagnosis</a:t>
+            </a:r>
+            <a:r>
+              <a:rPr lang="ko-KR" altLang="en-US" sz="1100" dirty="0"/>
+              <a:t> </a:t>
+            </a:r>
+            <a:r>
+              <a:rPr lang="ko-KR" altLang="en-US" sz="1100" dirty="0" err="1"/>
+              <a:t>will</a:t>
+            </a:r>
+            <a:r>
+              <a:rPr lang="ko-KR" altLang="en-US" sz="1100" dirty="0"/>
+              <a:t> </a:t>
+            </a:r>
+            <a:r>
+              <a:rPr lang="ko-KR" altLang="en-US" sz="1100" dirty="0" err="1"/>
+              <a:t>allow</a:t>
+            </a:r>
+            <a:r>
+              <a:rPr lang="ko-KR" altLang="en-US" sz="1100" dirty="0"/>
+              <a:t> </a:t>
+            </a:r>
+            <a:r>
+              <a:rPr lang="ko-KR" altLang="en-US" sz="1100" dirty="0" err="1"/>
+              <a:t>the</a:t>
+            </a:r>
+            <a:r>
+              <a:rPr lang="ko-KR" altLang="en-US" sz="1100" dirty="0"/>
+              <a:t> </a:t>
+            </a:r>
+            <a:r>
+              <a:rPr lang="ko-KR" altLang="en-US" sz="1100" dirty="0" err="1"/>
+              <a:t>pathologists</a:t>
+            </a:r>
+            <a:r>
+              <a:rPr lang="ko-KR" altLang="en-US" sz="1100" dirty="0"/>
+              <a:t> </a:t>
+            </a:r>
+            <a:r>
+              <a:rPr lang="ko-KR" altLang="en-US" sz="1100" dirty="0" err="1"/>
+              <a:t>to</a:t>
+            </a:r>
+            <a:r>
+              <a:rPr lang="ko-KR" altLang="en-US" sz="1100" dirty="0"/>
+              <a:t> </a:t>
+            </a:r>
+            <a:r>
+              <a:rPr lang="ko-KR" altLang="en-US" sz="1100" dirty="0" err="1"/>
+              <a:t>work</a:t>
+            </a:r>
+            <a:r>
+              <a:rPr lang="ko-KR" altLang="en-US" sz="1100" dirty="0"/>
+              <a:t> </a:t>
+            </a:r>
+            <a:r>
+              <a:rPr lang="ko-KR" altLang="en-US" sz="1100" dirty="0" err="1"/>
+              <a:t>as</a:t>
+            </a:r>
+            <a:r>
+              <a:rPr lang="ko-KR" altLang="en-US" sz="1100" dirty="0"/>
+              <a:t> </a:t>
+            </a:r>
+            <a:r>
+              <a:rPr lang="ko-KR" altLang="en-US" sz="1100" dirty="0" err="1"/>
+              <a:t>supervisors</a:t>
+            </a:r>
+            <a:r>
+              <a:rPr lang="ko-KR" altLang="en-US" sz="1100" dirty="0"/>
+              <a:t> and </a:t>
+            </a:r>
+            <a:r>
+              <a:rPr lang="ko-KR" altLang="en-US" sz="1100" dirty="0" err="1"/>
+              <a:t>no</a:t>
+            </a:r>
+            <a:r>
+              <a:rPr lang="ko-KR" altLang="en-US" sz="1100" dirty="0"/>
+              <a:t> </a:t>
+            </a:r>
+            <a:r>
+              <a:rPr lang="ko-KR" altLang="en-US" sz="1100" dirty="0" err="1"/>
+              <a:t>longer</a:t>
+            </a:r>
+            <a:r>
+              <a:rPr lang="ko-KR" altLang="en-US" sz="1100" dirty="0"/>
+              <a:t> </a:t>
+            </a:r>
+            <a:r>
+              <a:rPr lang="ko-KR" altLang="en-US" sz="1100" dirty="0" err="1"/>
+              <a:t>as</a:t>
+            </a:r>
+            <a:r>
+              <a:rPr lang="ko-KR" altLang="en-US" sz="1100" dirty="0"/>
+              <a:t> </a:t>
+            </a:r>
+            <a:r>
+              <a:rPr lang="ko-KR" altLang="en-US" sz="1100" dirty="0" err="1"/>
+              <a:t>primary</a:t>
+            </a:r>
+            <a:r>
+              <a:rPr lang="ko-KR" altLang="en-US" sz="1100" dirty="0"/>
+              <a:t> "</a:t>
+            </a:r>
+            <a:r>
+              <a:rPr lang="ko-KR" altLang="en-US" sz="1100" dirty="0" err="1"/>
+              <a:t>water</a:t>
+            </a:r>
+            <a:r>
+              <a:rPr lang="ko-KR" altLang="en-US" sz="1100" dirty="0"/>
+              <a:t> </a:t>
+            </a:r>
+            <a:r>
+              <a:rPr lang="ko-KR" altLang="en-US" sz="1100" dirty="0" err="1"/>
+              <a:t>carriers</a:t>
+            </a:r>
+            <a:r>
+              <a:rPr lang="ko-KR" altLang="en-US" sz="1100" dirty="0"/>
+              <a:t>". </a:t>
+            </a:r>
+            <a:r>
+              <a:rPr lang="ko-KR" altLang="en-US" sz="1100" dirty="0" err="1"/>
+              <a:t>Its</a:t>
+            </a:r>
+            <a:r>
+              <a:rPr lang="ko-KR" altLang="en-US" sz="1100" dirty="0"/>
+              <a:t> </a:t>
+            </a:r>
+            <a:r>
+              <a:rPr lang="ko-KR" altLang="en-US" sz="1100" dirty="0" err="1"/>
+              <a:t>accurate</a:t>
+            </a:r>
+            <a:r>
+              <a:rPr lang="ko-KR" altLang="en-US" sz="1100" dirty="0"/>
+              <a:t> </a:t>
+            </a:r>
+            <a:r>
+              <a:rPr lang="ko-KR" altLang="en-US" sz="1100" dirty="0" err="1"/>
+              <a:t>use</a:t>
+            </a:r>
+            <a:r>
+              <a:rPr lang="ko-KR" altLang="en-US" sz="1100" dirty="0"/>
+              <a:t> </a:t>
+            </a:r>
+            <a:r>
+              <a:rPr lang="ko-KR" altLang="en-US" sz="1100" dirty="0" err="1"/>
+              <a:t>will</a:t>
+            </a:r>
+            <a:r>
+              <a:rPr lang="ko-KR" altLang="en-US" sz="1100" dirty="0"/>
+              <a:t> </a:t>
+            </a:r>
+            <a:r>
+              <a:rPr lang="ko-KR" altLang="en-US" sz="1100" dirty="0" err="1"/>
+              <a:t>give</a:t>
+            </a:r>
+            <a:r>
+              <a:rPr lang="ko-KR" altLang="en-US" sz="1100" dirty="0"/>
+              <a:t> </a:t>
+            </a:r>
+            <a:r>
+              <a:rPr lang="ko-KR" altLang="en-US" sz="1100" dirty="0" err="1"/>
+              <a:t>them</a:t>
+            </a:r>
+            <a:r>
+              <a:rPr lang="ko-KR" altLang="en-US" sz="1100" dirty="0"/>
+              <a:t> </a:t>
+            </a:r>
+            <a:r>
+              <a:rPr lang="ko-KR" altLang="en-US" sz="1100" dirty="0" err="1"/>
+              <a:t>the</a:t>
+            </a:r>
+            <a:r>
+              <a:rPr lang="ko-KR" altLang="en-US" sz="1100" dirty="0"/>
+              <a:t> </a:t>
+            </a:r>
+            <a:r>
+              <a:rPr lang="ko-KR" altLang="en-US" sz="1100" dirty="0" err="1"/>
+              <a:t>time</a:t>
+            </a:r>
+            <a:r>
+              <a:rPr lang="ko-KR" altLang="en-US" sz="1100" dirty="0"/>
+              <a:t> </a:t>
+            </a:r>
+            <a:r>
+              <a:rPr lang="ko-KR" altLang="en-US" sz="1100" dirty="0" err="1"/>
+              <a:t>needed</a:t>
+            </a:r>
+            <a:r>
+              <a:rPr lang="ko-KR" altLang="en-US" sz="1100" dirty="0"/>
+              <a:t> </a:t>
+            </a:r>
+            <a:r>
+              <a:rPr lang="ko-KR" altLang="en-US" sz="1100" dirty="0" err="1"/>
+              <a:t>to</a:t>
+            </a:r>
+            <a:r>
+              <a:rPr lang="ko-KR" altLang="en-US" sz="1100" dirty="0"/>
+              <a:t> </a:t>
+            </a:r>
+            <a:r>
+              <a:rPr lang="ko-KR" altLang="en-US" sz="1100" dirty="0" err="1"/>
+              <a:t>concentrating</a:t>
+            </a:r>
+            <a:r>
+              <a:rPr lang="ko-KR" altLang="en-US" sz="1100" dirty="0"/>
+              <a:t> </a:t>
+            </a:r>
+            <a:r>
+              <a:rPr lang="ko-KR" altLang="en-US" sz="1100" dirty="0" err="1"/>
+              <a:t>on</a:t>
+            </a:r>
+            <a:r>
+              <a:rPr lang="ko-KR" altLang="en-US" sz="1100" dirty="0"/>
+              <a:t> </a:t>
+            </a:r>
+            <a:r>
+              <a:rPr lang="ko-KR" altLang="en-US" sz="1100" dirty="0" err="1"/>
+              <a:t>difficult</a:t>
+            </a:r>
+            <a:r>
+              <a:rPr lang="ko-KR" altLang="en-US" sz="1100" dirty="0"/>
+              <a:t> </a:t>
+            </a:r>
+            <a:r>
+              <a:rPr lang="ko-KR" altLang="en-US" sz="1100" dirty="0" err="1"/>
+              <a:t>cases</a:t>
+            </a:r>
+            <a:r>
+              <a:rPr lang="ko-KR" altLang="en-US" sz="1100" dirty="0"/>
+              <a:t> </a:t>
+            </a:r>
+            <a:r>
+              <a:rPr lang="ko-KR" altLang="en-US" sz="1100" dirty="0" err="1"/>
+              <a:t>for</a:t>
+            </a:r>
+            <a:r>
+              <a:rPr lang="ko-KR" altLang="en-US" sz="1100" dirty="0"/>
+              <a:t> </a:t>
+            </a:r>
+            <a:r>
+              <a:rPr lang="ko-KR" altLang="en-US" sz="1100" dirty="0" err="1"/>
+              <a:t>the</a:t>
+            </a:r>
+            <a:r>
+              <a:rPr lang="ko-KR" altLang="en-US" sz="1100" dirty="0"/>
+              <a:t> </a:t>
+            </a:r>
+            <a:r>
+              <a:rPr lang="ko-KR" altLang="en-US" sz="1100" dirty="0" err="1"/>
+              <a:t>benefit</a:t>
+            </a:r>
+            <a:r>
+              <a:rPr lang="ko-KR" altLang="en-US" sz="1100" dirty="0"/>
+              <a:t> of </a:t>
+            </a:r>
+            <a:r>
+              <a:rPr lang="ko-KR" altLang="en-US" sz="1100" dirty="0" err="1"/>
+              <a:t>their</a:t>
+            </a:r>
+            <a:r>
+              <a:rPr lang="ko-KR" altLang="en-US" sz="1100" dirty="0"/>
+              <a:t> </a:t>
+            </a:r>
+            <a:r>
+              <a:rPr lang="ko-KR" altLang="en-US" sz="1100" dirty="0" err="1"/>
+              <a:t>patients</a:t>
+            </a:r>
+            <a:endParaRPr lang="en-US" altLang="ko-KR" sz="1100" dirty="0"/>
+          </a:p>
+          <a:p>
+            <a:r>
+              <a:rPr lang="en-US" altLang="ko-KR" sz="1100" dirty="0"/>
+              <a:t>AI (artificial intelligence) in histopathology--from image analysis to automated diagnosis.</a:t>
+            </a:r>
+          </a:p>
+          <a:p>
+            <a:r>
+              <a:rPr lang="en-US" altLang="ko-KR" sz="1100" dirty="0"/>
+              <a:t>Klaus </a:t>
+            </a:r>
+            <a:r>
+              <a:rPr lang="en-US" altLang="ko-KR" sz="1100" dirty="0" err="1"/>
+              <a:t>Kayser</a:t>
+            </a:r>
+            <a:r>
+              <a:rPr lang="en-US" altLang="ko-KR" sz="1100" dirty="0"/>
+              <a:t>, </a:t>
+            </a:r>
+            <a:r>
+              <a:rPr lang="en-US" altLang="ko-KR" sz="1100" dirty="0" err="1"/>
+              <a:t>JĂźrgen</a:t>
+            </a:r>
+            <a:r>
+              <a:rPr lang="en-US" altLang="ko-KR" sz="1100" dirty="0"/>
+              <a:t> </a:t>
+            </a:r>
+            <a:r>
+              <a:rPr lang="en-US" altLang="ko-KR" sz="1100" dirty="0" err="1"/>
+              <a:t>GĂśrtler</a:t>
+            </a:r>
+            <a:r>
+              <a:rPr lang="en-US" altLang="ko-KR" sz="1100" dirty="0"/>
+              <a:t>, </a:t>
+            </a:r>
+            <a:r>
+              <a:rPr lang="en-US" altLang="ko-KR" sz="1100" dirty="0" err="1"/>
+              <a:t>Milica</a:t>
+            </a:r>
+            <a:r>
+              <a:rPr lang="en-US" altLang="ko-KR" sz="1100" dirty="0"/>
+              <a:t> </a:t>
+            </a:r>
+            <a:r>
+              <a:rPr lang="en-US" altLang="ko-KR" sz="1100" dirty="0" err="1"/>
+              <a:t>Bogovac</a:t>
+            </a:r>
+            <a:r>
+              <a:rPr lang="en-US" altLang="ko-KR" sz="1100" dirty="0"/>
+              <a:t>, Aleksandar </a:t>
+            </a:r>
+            <a:r>
+              <a:rPr lang="en-US" altLang="ko-KR" sz="1100" dirty="0" err="1"/>
+              <a:t>Bogovac</a:t>
+            </a:r>
+            <a:r>
+              <a:rPr lang="en-US" altLang="ko-KR" sz="1100" dirty="0"/>
+              <a:t>, </a:t>
+            </a:r>
+            <a:r>
+              <a:rPr lang="en-US" altLang="ko-KR" sz="1100" dirty="0" err="1"/>
+              <a:t>Torsten</a:t>
+            </a:r>
+            <a:r>
+              <a:rPr lang="en-US" altLang="ko-KR" sz="1100" dirty="0"/>
+              <a:t> </a:t>
+            </a:r>
+            <a:r>
+              <a:rPr lang="en-US" altLang="ko-KR" sz="1100" dirty="0" err="1"/>
+              <a:t>Goldmann</a:t>
+            </a:r>
+            <a:r>
+              <a:rPr lang="en-US" altLang="ko-KR" sz="1100" dirty="0"/>
+              <a:t>, Ekkehard Vollmer, Gian </a:t>
+            </a:r>
+            <a:r>
+              <a:rPr lang="en-US" altLang="ko-KR" sz="1100" dirty="0" err="1"/>
+              <a:t>Kayser</a:t>
+            </a:r>
+            <a:endParaRPr lang="en-US" altLang="ko-KR" sz="1100" dirty="0"/>
+          </a:p>
+          <a:p>
+            <a:endParaRPr lang="ko-KR" altLang="en-US" sz="1100" dirty="0"/>
           </a:p>
         </p:txBody>
       </p:sp>
